--- a/c/slides/markdown/images/others.pptx
+++ b/c/slides/markdown/images/others.pptx
@@ -262,7 +262,7 @@
           <a:p>
             <a:fld id="{D45A99E6-F7DB-5349-9154-9234A89D7CA3}" type="datetimeFigureOut">
               <a:rPr lang="en-IT" smtClean="0"/>
-              <a:t>04/05/21</a:t>
+              <a:t>02/04/22</a:t>
             </a:fld>
             <a:endParaRPr lang="en-IT"/>
           </a:p>
@@ -462,7 +462,7 @@
           <a:p>
             <a:fld id="{D45A99E6-F7DB-5349-9154-9234A89D7CA3}" type="datetimeFigureOut">
               <a:rPr lang="en-IT" smtClean="0"/>
-              <a:t>04/05/21</a:t>
+              <a:t>02/04/22</a:t>
             </a:fld>
             <a:endParaRPr lang="en-IT"/>
           </a:p>
@@ -672,7 +672,7 @@
           <a:p>
             <a:fld id="{D45A99E6-F7DB-5349-9154-9234A89D7CA3}" type="datetimeFigureOut">
               <a:rPr lang="en-IT" smtClean="0"/>
-              <a:t>04/05/21</a:t>
+              <a:t>02/04/22</a:t>
             </a:fld>
             <a:endParaRPr lang="en-IT"/>
           </a:p>
@@ -872,7 +872,7 @@
           <a:p>
             <a:fld id="{D45A99E6-F7DB-5349-9154-9234A89D7CA3}" type="datetimeFigureOut">
               <a:rPr lang="en-IT" smtClean="0"/>
-              <a:t>04/05/21</a:t>
+              <a:t>02/04/22</a:t>
             </a:fld>
             <a:endParaRPr lang="en-IT"/>
           </a:p>
@@ -1148,7 +1148,7 @@
           <a:p>
             <a:fld id="{D45A99E6-F7DB-5349-9154-9234A89D7CA3}" type="datetimeFigureOut">
               <a:rPr lang="en-IT" smtClean="0"/>
-              <a:t>04/05/21</a:t>
+              <a:t>02/04/22</a:t>
             </a:fld>
             <a:endParaRPr lang="en-IT"/>
           </a:p>
@@ -1416,7 +1416,7 @@
           <a:p>
             <a:fld id="{D45A99E6-F7DB-5349-9154-9234A89D7CA3}" type="datetimeFigureOut">
               <a:rPr lang="en-IT" smtClean="0"/>
-              <a:t>04/05/21</a:t>
+              <a:t>02/04/22</a:t>
             </a:fld>
             <a:endParaRPr lang="en-IT"/>
           </a:p>
@@ -1831,7 +1831,7 @@
           <a:p>
             <a:fld id="{D45A99E6-F7DB-5349-9154-9234A89D7CA3}" type="datetimeFigureOut">
               <a:rPr lang="en-IT" smtClean="0"/>
-              <a:t>04/05/21</a:t>
+              <a:t>02/04/22</a:t>
             </a:fld>
             <a:endParaRPr lang="en-IT"/>
           </a:p>
@@ -1973,7 +1973,7 @@
           <a:p>
             <a:fld id="{D45A99E6-F7DB-5349-9154-9234A89D7CA3}" type="datetimeFigureOut">
               <a:rPr lang="en-IT" smtClean="0"/>
-              <a:t>04/05/21</a:t>
+              <a:t>02/04/22</a:t>
             </a:fld>
             <a:endParaRPr lang="en-IT"/>
           </a:p>
@@ -2086,7 +2086,7 @@
           <a:p>
             <a:fld id="{D45A99E6-F7DB-5349-9154-9234A89D7CA3}" type="datetimeFigureOut">
               <a:rPr lang="en-IT" smtClean="0"/>
-              <a:t>04/05/21</a:t>
+              <a:t>02/04/22</a:t>
             </a:fld>
             <a:endParaRPr lang="en-IT"/>
           </a:p>
@@ -2399,7 +2399,7 @@
           <a:p>
             <a:fld id="{D45A99E6-F7DB-5349-9154-9234A89D7CA3}" type="datetimeFigureOut">
               <a:rPr lang="en-IT" smtClean="0"/>
-              <a:t>04/05/21</a:t>
+              <a:t>02/04/22</a:t>
             </a:fld>
             <a:endParaRPr lang="en-IT"/>
           </a:p>
@@ -2688,7 +2688,7 @@
           <a:p>
             <a:fld id="{D45A99E6-F7DB-5349-9154-9234A89D7CA3}" type="datetimeFigureOut">
               <a:rPr lang="en-IT" smtClean="0"/>
-              <a:t>04/05/21</a:t>
+              <a:t>02/04/22</a:t>
             </a:fld>
             <a:endParaRPr lang="en-IT"/>
           </a:p>
@@ -2931,7 +2931,7 @@
           <a:p>
             <a:fld id="{D45A99E6-F7DB-5349-9154-9234A89D7CA3}" type="datetimeFigureOut">
               <a:rPr lang="en-IT" smtClean="0"/>
-              <a:t>04/05/21</a:t>
+              <a:t>02/04/22</a:t>
             </a:fld>
             <a:endParaRPr lang="en-IT"/>
           </a:p>
@@ -3609,8 +3609,12 @@
           <a:p>
             <a:pPr algn="ctr"/>
             <a:r>
+              <a:rPr lang="en-GB" dirty="0"/>
+              <a:t>b</a:t>
+            </a:r>
+            <a:r>
               <a:rPr lang="en-IT" dirty="0"/>
-              <a:t>RA</a:t>
+              <a:t>=3</a:t>
             </a:r>
           </a:p>
         </p:txBody>
@@ -3657,11 +3661,11 @@
             <a:pPr algn="ctr"/>
             <a:r>
               <a:rPr lang="en-GB" dirty="0"/>
-              <a:t>b</a:t>
+              <a:t>a</a:t>
             </a:r>
             <a:r>
               <a:rPr lang="en-IT" dirty="0"/>
-              <a:t>=3</a:t>
+              <a:t>=2</a:t>
             </a:r>
           </a:p>
         </p:txBody>
@@ -3708,12 +3712,9 @@
             <a:pPr algn="ctr"/>
             <a:r>
               <a:rPr lang="en-GB" dirty="0"/>
-              <a:t>a</a:t>
-            </a:r>
-            <a:r>
-              <a:rPr lang="en-IT" dirty="0"/>
-              <a:t>=2</a:t>
-            </a:r>
+              <a:t>RA</a:t>
+            </a:r>
+            <a:endParaRPr lang="en-IT" dirty="0"/>
           </a:p>
         </p:txBody>
       </p:sp>
@@ -3802,8 +3803,12 @@
           <a:p>
             <a:pPr algn="ctr"/>
             <a:r>
+              <a:rPr lang="en-GB" dirty="0"/>
+              <a:t>t</a:t>
+            </a:r>
+            <a:r>
               <a:rPr lang="en-IT" dirty="0"/>
-              <a:t>RA</a:t>
+              <a:t>mp=2</a:t>
             </a:r>
           </a:p>
         </p:txBody>
@@ -3850,11 +3855,11 @@
             <a:pPr algn="ctr"/>
             <a:r>
               <a:rPr lang="en-GB" dirty="0"/>
-              <a:t>t</a:t>
+              <a:t>b</a:t>
             </a:r>
             <a:r>
               <a:rPr lang="en-IT" dirty="0"/>
-              <a:t>mp=3</a:t>
+              <a:t>=2</a:t>
             </a:r>
           </a:p>
         </p:txBody>
@@ -3901,11 +3906,11 @@
             <a:pPr algn="ctr"/>
             <a:r>
               <a:rPr lang="en-GB" dirty="0"/>
-              <a:t>b</a:t>
+              <a:t>a</a:t>
             </a:r>
             <a:r>
               <a:rPr lang="en-IT" dirty="0"/>
-              <a:t>=2</a:t>
+              <a:t>=3</a:t>
             </a:r>
           </a:p>
         </p:txBody>
@@ -3952,12 +3957,9 @@
             <a:pPr algn="ctr"/>
             <a:r>
               <a:rPr lang="en-GB" dirty="0"/>
-              <a:t>a</a:t>
-            </a:r>
-            <a:r>
-              <a:rPr lang="en-IT" dirty="0"/>
-              <a:t>=3</a:t>
-            </a:r>
+              <a:t>RA</a:t>
+            </a:r>
+            <a:endParaRPr lang="en-IT" dirty="0"/>
           </a:p>
         </p:txBody>
       </p:sp>
@@ -4002,8 +4004,12 @@
           <a:p>
             <a:pPr algn="ctr"/>
             <a:r>
+              <a:rPr lang="en-GB" dirty="0"/>
+              <a:t>b</a:t>
+            </a:r>
+            <a:r>
               <a:rPr lang="en-IT" dirty="0"/>
-              <a:t>RA</a:t>
+              <a:t>=3</a:t>
             </a:r>
           </a:p>
         </p:txBody>
@@ -4050,12 +4056,9 @@
             <a:pPr algn="ctr"/>
             <a:r>
               <a:rPr lang="en-GB" dirty="0"/>
-              <a:t>b</a:t>
-            </a:r>
-            <a:r>
-              <a:rPr lang="en-IT" dirty="0"/>
-              <a:t>=3</a:t>
-            </a:r>
+              <a:t>a=2</a:t>
+            </a:r>
+            <a:endParaRPr lang="en-IT" dirty="0"/>
           </a:p>
         </p:txBody>
       </p:sp>
@@ -4101,12 +4104,9 @@
             <a:pPr algn="ctr"/>
             <a:r>
               <a:rPr lang="en-GB" dirty="0"/>
-              <a:t>a</a:t>
-            </a:r>
-            <a:r>
-              <a:rPr lang="en-IT" dirty="0"/>
-              <a:t>=2</a:t>
-            </a:r>
+              <a:t>RA</a:t>
+            </a:r>
+            <a:endParaRPr lang="en-IT" dirty="0"/>
           </a:p>
         </p:txBody>
       </p:sp>
@@ -4371,9 +4371,10 @@
           <a:p>
             <a:pPr algn="ctr"/>
             <a:r>
-              <a:rPr lang="en-IT" dirty="0"/>
-              <a:t>RA</a:t>
-            </a:r>
+              <a:rPr lang="en-GB" b="1" dirty="0"/>
+              <a:t>b=3</a:t>
+            </a:r>
+            <a:endParaRPr lang="en-IT" b="1" dirty="0"/>
           </a:p>
         </p:txBody>
       </p:sp>
@@ -4419,11 +4420,11 @@
             <a:pPr algn="ctr"/>
             <a:r>
               <a:rPr lang="en-GB" b="1" dirty="0"/>
-              <a:t>b</a:t>
+              <a:t>a</a:t>
             </a:r>
             <a:r>
               <a:rPr lang="en-IT" b="1" dirty="0"/>
-              <a:t>=3</a:t>
+              <a:t>=2</a:t>
             </a:r>
           </a:p>
         </p:txBody>
@@ -4469,13 +4470,10 @@
           <a:p>
             <a:pPr algn="ctr"/>
             <a:r>
-              <a:rPr lang="en-GB" b="1" dirty="0"/>
-              <a:t>a</a:t>
-            </a:r>
-            <a:r>
-              <a:rPr lang="en-IT" b="1" dirty="0"/>
-              <a:t>=2</a:t>
-            </a:r>
+              <a:rPr lang="en-GB" dirty="0"/>
+              <a:t>RA</a:t>
+            </a:r>
+            <a:endParaRPr lang="en-IT" dirty="0"/>
           </a:p>
         </p:txBody>
       </p:sp>
@@ -5442,10 +5440,10 @@
       </p:grpSpPr>
       <p:sp>
         <p:nvSpPr>
-          <p:cNvPr id="4" name="Rounded Rectangle 3">
-            <a:extLst>
-              <a:ext uri="{FF2B5EF4-FFF2-40B4-BE49-F238E27FC236}">
-                <a16:creationId xmlns:a16="http://schemas.microsoft.com/office/drawing/2014/main" id="{B5FE58D8-1EBE-B849-913B-3A718AF4B608}"/>
+          <p:cNvPr id="51" name="Rounded Rectangle 50">
+            <a:extLst>
+              <a:ext uri="{FF2B5EF4-FFF2-40B4-BE49-F238E27FC236}">
+                <a16:creationId xmlns:a16="http://schemas.microsoft.com/office/drawing/2014/main" id="{819E3E9B-3CBD-494A-9E9E-BB28C9DFEEF4}"/>
               </a:ext>
             </a:extLst>
           </p:cNvPr>
@@ -5486,10 +5484,10 @@
       </p:sp>
       <p:sp>
         <p:nvSpPr>
-          <p:cNvPr id="5" name="Rounded Rectangle 4">
-            <a:extLst>
-              <a:ext uri="{FF2B5EF4-FFF2-40B4-BE49-F238E27FC236}">
-                <a16:creationId xmlns:a16="http://schemas.microsoft.com/office/drawing/2014/main" id="{9D48B9AE-C6AE-2743-94C4-1A3017FC1793}"/>
+          <p:cNvPr id="52" name="Rounded Rectangle 51">
+            <a:extLst>
+              <a:ext uri="{FF2B5EF4-FFF2-40B4-BE49-F238E27FC236}">
+                <a16:creationId xmlns:a16="http://schemas.microsoft.com/office/drawing/2014/main" id="{F6109040-136C-F344-A46D-9EE700DFF63A}"/>
               </a:ext>
             </a:extLst>
           </p:cNvPr>
@@ -5530,10 +5528,10 @@
       </p:sp>
       <p:sp>
         <p:nvSpPr>
-          <p:cNvPr id="6" name="Rounded Rectangle 5">
-            <a:extLst>
-              <a:ext uri="{FF2B5EF4-FFF2-40B4-BE49-F238E27FC236}">
-                <a16:creationId xmlns:a16="http://schemas.microsoft.com/office/drawing/2014/main" id="{DE871D6F-4010-884C-AADF-FB2D2C8E1B83}"/>
+          <p:cNvPr id="53" name="Rounded Rectangle 52">
+            <a:extLst>
+              <a:ext uri="{FF2B5EF4-FFF2-40B4-BE49-F238E27FC236}">
+                <a16:creationId xmlns:a16="http://schemas.microsoft.com/office/drawing/2014/main" id="{3D66C32F-3881-3E43-A48B-7E10A9A95265}"/>
               </a:ext>
             </a:extLst>
           </p:cNvPr>
@@ -5574,10 +5572,10 @@
       </p:sp>
       <p:sp>
         <p:nvSpPr>
-          <p:cNvPr id="7" name="Rounded Rectangle 6">
-            <a:extLst>
-              <a:ext uri="{FF2B5EF4-FFF2-40B4-BE49-F238E27FC236}">
-                <a16:creationId xmlns:a16="http://schemas.microsoft.com/office/drawing/2014/main" id="{285F3CFB-A26C-904F-9B8F-BE221CA968A7}"/>
+          <p:cNvPr id="54" name="Rounded Rectangle 53">
+            <a:extLst>
+              <a:ext uri="{FF2B5EF4-FFF2-40B4-BE49-F238E27FC236}">
+                <a16:creationId xmlns:a16="http://schemas.microsoft.com/office/drawing/2014/main" id="{720CC78E-DD02-8543-803C-4D7F8AF10EF8}"/>
               </a:ext>
             </a:extLst>
           </p:cNvPr>
@@ -5618,10 +5616,10 @@
       </p:sp>
       <p:sp>
         <p:nvSpPr>
-          <p:cNvPr id="8" name="Rounded Rectangle 7">
-            <a:extLst>
-              <a:ext uri="{FF2B5EF4-FFF2-40B4-BE49-F238E27FC236}">
-                <a16:creationId xmlns:a16="http://schemas.microsoft.com/office/drawing/2014/main" id="{D1671083-D771-5740-A7D7-C30ED59582FE}"/>
+          <p:cNvPr id="55" name="Rounded Rectangle 54">
+            <a:extLst>
+              <a:ext uri="{FF2B5EF4-FFF2-40B4-BE49-F238E27FC236}">
+                <a16:creationId xmlns:a16="http://schemas.microsoft.com/office/drawing/2014/main" id="{C2CAAA66-8197-3F4C-A546-818807CA2C7B}"/>
               </a:ext>
             </a:extLst>
           </p:cNvPr>
@@ -5662,10 +5660,10 @@
       </p:sp>
       <p:sp>
         <p:nvSpPr>
-          <p:cNvPr id="9" name="Rounded Rectangle 8">
-            <a:extLst>
-              <a:ext uri="{FF2B5EF4-FFF2-40B4-BE49-F238E27FC236}">
-                <a16:creationId xmlns:a16="http://schemas.microsoft.com/office/drawing/2014/main" id="{CB2EA451-F04A-4D43-8789-D23B9A591586}"/>
+          <p:cNvPr id="56" name="Rounded Rectangle 55">
+            <a:extLst>
+              <a:ext uri="{FF2B5EF4-FFF2-40B4-BE49-F238E27FC236}">
+                <a16:creationId xmlns:a16="http://schemas.microsoft.com/office/drawing/2014/main" id="{3012F044-63CF-E848-8A62-88608F8DD027}"/>
               </a:ext>
             </a:extLst>
           </p:cNvPr>
@@ -5701,18 +5699,22 @@
           <a:p>
             <a:pPr algn="ctr"/>
             <a:r>
+              <a:rPr lang="en-GB" dirty="0"/>
+              <a:t>b</a:t>
+            </a:r>
+            <a:r>
               <a:rPr lang="en-IT" dirty="0"/>
-              <a:t>RA</a:t>
-            </a:r>
-          </a:p>
-        </p:txBody>
-      </p:sp>
-      <p:sp>
-        <p:nvSpPr>
-          <p:cNvPr id="10" name="Rounded Rectangle 9">
-            <a:extLst>
-              <a:ext uri="{FF2B5EF4-FFF2-40B4-BE49-F238E27FC236}">
-                <a16:creationId xmlns:a16="http://schemas.microsoft.com/office/drawing/2014/main" id="{3EFB06A4-B788-AA4E-8E77-2EED9FD98F04}"/>
+              <a:t>=3</a:t>
+            </a:r>
+          </a:p>
+        </p:txBody>
+      </p:sp>
+      <p:sp>
+        <p:nvSpPr>
+          <p:cNvPr id="57" name="Rounded Rectangle 56">
+            <a:extLst>
+              <a:ext uri="{FF2B5EF4-FFF2-40B4-BE49-F238E27FC236}">
+                <a16:creationId xmlns:a16="http://schemas.microsoft.com/office/drawing/2014/main" id="{64A1C9DF-44BC-3846-BB5C-7B5F2014B047}"/>
               </a:ext>
             </a:extLst>
           </p:cNvPr>
@@ -5749,21 +5751,21 @@
             <a:pPr algn="ctr"/>
             <a:r>
               <a:rPr lang="en-GB" dirty="0"/>
-              <a:t>b</a:t>
+              <a:t>a</a:t>
             </a:r>
             <a:r>
               <a:rPr lang="en-IT" dirty="0"/>
-              <a:t>=3</a:t>
-            </a:r>
-          </a:p>
-        </p:txBody>
-      </p:sp>
-      <p:sp>
-        <p:nvSpPr>
-          <p:cNvPr id="11" name="Rounded Rectangle 10">
-            <a:extLst>
-              <a:ext uri="{FF2B5EF4-FFF2-40B4-BE49-F238E27FC236}">
-                <a16:creationId xmlns:a16="http://schemas.microsoft.com/office/drawing/2014/main" id="{6721290C-8379-3B4D-BA6B-DED33A156B78}"/>
+              <a:t>=2</a:t>
+            </a:r>
+          </a:p>
+        </p:txBody>
+      </p:sp>
+      <p:sp>
+        <p:nvSpPr>
+          <p:cNvPr id="58" name="Rounded Rectangle 57">
+            <a:extLst>
+              <a:ext uri="{FF2B5EF4-FFF2-40B4-BE49-F238E27FC236}">
+                <a16:creationId xmlns:a16="http://schemas.microsoft.com/office/drawing/2014/main" id="{93CCD961-057A-114E-8F41-DD33A2E1B4EE}"/>
               </a:ext>
             </a:extLst>
           </p:cNvPr>
@@ -5800,21 +5802,18 @@
             <a:pPr algn="ctr"/>
             <a:r>
               <a:rPr lang="en-GB" dirty="0"/>
-              <a:t>a</a:t>
-            </a:r>
-            <a:r>
-              <a:rPr lang="en-IT" dirty="0"/>
-              <a:t>=2</a:t>
-            </a:r>
-          </a:p>
-        </p:txBody>
-      </p:sp>
-      <p:sp>
-        <p:nvSpPr>
-          <p:cNvPr id="12" name="Rounded Rectangle 11">
-            <a:extLst>
-              <a:ext uri="{FF2B5EF4-FFF2-40B4-BE49-F238E27FC236}">
-                <a16:creationId xmlns:a16="http://schemas.microsoft.com/office/drawing/2014/main" id="{5B8EEBD7-DC6D-B243-A4E2-3190899B43DB}"/>
+              <a:t>RA</a:t>
+            </a:r>
+            <a:endParaRPr lang="en-IT" dirty="0"/>
+          </a:p>
+        </p:txBody>
+      </p:sp>
+      <p:sp>
+        <p:nvSpPr>
+          <p:cNvPr id="59" name="Rounded Rectangle 58">
+            <a:extLst>
+              <a:ext uri="{FF2B5EF4-FFF2-40B4-BE49-F238E27FC236}">
+                <a16:creationId xmlns:a16="http://schemas.microsoft.com/office/drawing/2014/main" id="{32B67AD6-12D0-F74D-8015-CC554450BAD7}"/>
               </a:ext>
             </a:extLst>
           </p:cNvPr>
@@ -5855,10 +5854,10 @@
       </p:sp>
       <p:sp>
         <p:nvSpPr>
-          <p:cNvPr id="13" name="Rounded Rectangle 12">
-            <a:extLst>
-              <a:ext uri="{FF2B5EF4-FFF2-40B4-BE49-F238E27FC236}">
-                <a16:creationId xmlns:a16="http://schemas.microsoft.com/office/drawing/2014/main" id="{C7576730-4740-7547-86D8-41930E9607F3}"/>
+          <p:cNvPr id="60" name="Rounded Rectangle 59">
+            <a:extLst>
+              <a:ext uri="{FF2B5EF4-FFF2-40B4-BE49-F238E27FC236}">
+                <a16:creationId xmlns:a16="http://schemas.microsoft.com/office/drawing/2014/main" id="{0BBF02AF-E55B-D946-81A4-A69100CED90D}"/>
               </a:ext>
             </a:extLst>
           </p:cNvPr>
@@ -5894,18 +5893,22 @@
           <a:p>
             <a:pPr algn="ctr"/>
             <a:r>
+              <a:rPr lang="en-GB" dirty="0"/>
+              <a:t>t</a:t>
+            </a:r>
+            <a:r>
               <a:rPr lang="en-IT" dirty="0"/>
-              <a:t>RA</a:t>
-            </a:r>
-          </a:p>
-        </p:txBody>
-      </p:sp>
-      <p:sp>
-        <p:nvSpPr>
-          <p:cNvPr id="14" name="Rounded Rectangle 13">
-            <a:extLst>
-              <a:ext uri="{FF2B5EF4-FFF2-40B4-BE49-F238E27FC236}">
-                <a16:creationId xmlns:a16="http://schemas.microsoft.com/office/drawing/2014/main" id="{FE9F879C-78F7-8A48-A770-D72248457122}"/>
+              <a:t>mp=2</a:t>
+            </a:r>
+          </a:p>
+        </p:txBody>
+      </p:sp>
+      <p:sp>
+        <p:nvSpPr>
+          <p:cNvPr id="61" name="Rounded Rectangle 60">
+            <a:extLst>
+              <a:ext uri="{FF2B5EF4-FFF2-40B4-BE49-F238E27FC236}">
+                <a16:creationId xmlns:a16="http://schemas.microsoft.com/office/drawing/2014/main" id="{33D2CDC8-99B1-9245-9172-A76F06BCD6AB}"/>
               </a:ext>
             </a:extLst>
           </p:cNvPr>
@@ -5942,21 +5945,21 @@
             <a:pPr algn="ctr"/>
             <a:r>
               <a:rPr lang="en-GB" dirty="0"/>
-              <a:t>t</a:t>
+              <a:t>&amp;b</a:t>
             </a:r>
             <a:r>
               <a:rPr lang="en-IT" dirty="0"/>
-              <a:t>mp=3</a:t>
-            </a:r>
-          </a:p>
-        </p:txBody>
-      </p:sp>
-      <p:sp>
-        <p:nvSpPr>
-          <p:cNvPr id="15" name="Rounded Rectangle 14">
-            <a:extLst>
-              <a:ext uri="{FF2B5EF4-FFF2-40B4-BE49-F238E27FC236}">
-                <a16:creationId xmlns:a16="http://schemas.microsoft.com/office/drawing/2014/main" id="{EABFBE32-AF18-CF44-B053-CC53460748EE}"/>
+              <a:t>=5</a:t>
+            </a:r>
+          </a:p>
+        </p:txBody>
+      </p:sp>
+      <p:sp>
+        <p:nvSpPr>
+          <p:cNvPr id="62" name="Rounded Rectangle 61">
+            <a:extLst>
+              <a:ext uri="{FF2B5EF4-FFF2-40B4-BE49-F238E27FC236}">
+                <a16:creationId xmlns:a16="http://schemas.microsoft.com/office/drawing/2014/main" id="{23803D0F-1F84-824C-BCAA-EC425B3DA61B}"/>
               </a:ext>
             </a:extLst>
           </p:cNvPr>
@@ -5992,18 +5995,22 @@
           <a:p>
             <a:pPr algn="ctr"/>
             <a:r>
+              <a:rPr lang="en-GB" dirty="0"/>
+              <a:t>&amp;a</a:t>
+            </a:r>
+            <a:r>
               <a:rPr lang="en-IT" dirty="0"/>
-              <a:t>&amp;b=7</a:t>
-            </a:r>
-          </a:p>
-        </p:txBody>
-      </p:sp>
-      <p:sp>
-        <p:nvSpPr>
-          <p:cNvPr id="16" name="Rounded Rectangle 15">
-            <a:extLst>
-              <a:ext uri="{FF2B5EF4-FFF2-40B4-BE49-F238E27FC236}">
-                <a16:creationId xmlns:a16="http://schemas.microsoft.com/office/drawing/2014/main" id="{48E137D3-5D35-E44F-ABDF-16A29EF48711}"/>
+              <a:t>=6</a:t>
+            </a:r>
+          </a:p>
+        </p:txBody>
+      </p:sp>
+      <p:sp>
+        <p:nvSpPr>
+          <p:cNvPr id="63" name="Rounded Rectangle 62">
+            <a:extLst>
+              <a:ext uri="{FF2B5EF4-FFF2-40B4-BE49-F238E27FC236}">
+                <a16:creationId xmlns:a16="http://schemas.microsoft.com/office/drawing/2014/main" id="{DF67385D-449B-884E-9D6D-4925C05B05D6}"/>
               </a:ext>
             </a:extLst>
           </p:cNvPr>
@@ -6039,18 +6046,19 @@
           <a:p>
             <a:pPr algn="ctr"/>
             <a:r>
-              <a:rPr lang="en-IT" dirty="0"/>
-              <a:t>&amp;a=6</a:t>
-            </a:r>
-          </a:p>
-        </p:txBody>
-      </p:sp>
-      <p:sp>
-        <p:nvSpPr>
-          <p:cNvPr id="17" name="Rounded Rectangle 16">
-            <a:extLst>
-              <a:ext uri="{FF2B5EF4-FFF2-40B4-BE49-F238E27FC236}">
-                <a16:creationId xmlns:a16="http://schemas.microsoft.com/office/drawing/2014/main" id="{82CD2D39-6CA8-F849-B1CE-B0714D24FF4F}"/>
+              <a:rPr lang="en-GB" dirty="0"/>
+              <a:t>RA</a:t>
+            </a:r>
+            <a:endParaRPr lang="en-IT" dirty="0"/>
+          </a:p>
+        </p:txBody>
+      </p:sp>
+      <p:sp>
+        <p:nvSpPr>
+          <p:cNvPr id="64" name="Rounded Rectangle 63">
+            <a:extLst>
+              <a:ext uri="{FF2B5EF4-FFF2-40B4-BE49-F238E27FC236}">
+                <a16:creationId xmlns:a16="http://schemas.microsoft.com/office/drawing/2014/main" id="{3B7D8F08-3326-974E-80AF-CF7C2DA43F79}"/>
               </a:ext>
             </a:extLst>
           </p:cNvPr>
@@ -6086,18 +6094,22 @@
           <a:p>
             <a:pPr algn="ctr"/>
             <a:r>
+              <a:rPr lang="en-GB" dirty="0"/>
+              <a:t>b</a:t>
+            </a:r>
+            <a:r>
               <a:rPr lang="en-IT" dirty="0"/>
-              <a:t>RA</a:t>
-            </a:r>
-          </a:p>
-        </p:txBody>
-      </p:sp>
-      <p:sp>
-        <p:nvSpPr>
-          <p:cNvPr id="18" name="Rounded Rectangle 17">
-            <a:extLst>
-              <a:ext uri="{FF2B5EF4-FFF2-40B4-BE49-F238E27FC236}">
-                <a16:creationId xmlns:a16="http://schemas.microsoft.com/office/drawing/2014/main" id="{D2E067D7-717A-E143-8AEC-2C3E75BFE666}"/>
+              <a:t>=3</a:t>
+            </a:r>
+          </a:p>
+        </p:txBody>
+      </p:sp>
+      <p:sp>
+        <p:nvSpPr>
+          <p:cNvPr id="65" name="Rounded Rectangle 64">
+            <a:extLst>
+              <a:ext uri="{FF2B5EF4-FFF2-40B4-BE49-F238E27FC236}">
+                <a16:creationId xmlns:a16="http://schemas.microsoft.com/office/drawing/2014/main" id="{7FB9798F-900C-5545-9E57-C8F219A543D0}"/>
               </a:ext>
             </a:extLst>
           </p:cNvPr>
@@ -6134,21 +6146,18 @@
             <a:pPr algn="ctr"/>
             <a:r>
               <a:rPr lang="en-GB" dirty="0"/>
-              <a:t>b</a:t>
-            </a:r>
-            <a:r>
-              <a:rPr lang="en-IT" dirty="0"/>
-              <a:t>=3</a:t>
-            </a:r>
-          </a:p>
-        </p:txBody>
-      </p:sp>
-      <p:sp>
-        <p:nvSpPr>
-          <p:cNvPr id="19" name="Rounded Rectangle 18">
-            <a:extLst>
-              <a:ext uri="{FF2B5EF4-FFF2-40B4-BE49-F238E27FC236}">
-                <a16:creationId xmlns:a16="http://schemas.microsoft.com/office/drawing/2014/main" id="{974E26A9-CFCA-3645-82BD-18CB0B90D901}"/>
+              <a:t>a=2</a:t>
+            </a:r>
+            <a:endParaRPr lang="en-IT" dirty="0"/>
+          </a:p>
+        </p:txBody>
+      </p:sp>
+      <p:sp>
+        <p:nvSpPr>
+          <p:cNvPr id="66" name="Rounded Rectangle 65">
+            <a:extLst>
+              <a:ext uri="{FF2B5EF4-FFF2-40B4-BE49-F238E27FC236}">
+                <a16:creationId xmlns:a16="http://schemas.microsoft.com/office/drawing/2014/main" id="{28AA98B0-30EA-7D43-A0C4-BF4C9A1574A3}"/>
               </a:ext>
             </a:extLst>
           </p:cNvPr>
@@ -6185,21 +6194,18 @@
             <a:pPr algn="ctr"/>
             <a:r>
               <a:rPr lang="en-GB" dirty="0"/>
-              <a:t>a</a:t>
-            </a:r>
-            <a:r>
-              <a:rPr lang="en-IT" dirty="0"/>
-              <a:t>=2</a:t>
-            </a:r>
-          </a:p>
-        </p:txBody>
-      </p:sp>
-      <p:sp>
-        <p:nvSpPr>
-          <p:cNvPr id="20" name="Rounded Rectangle 19">
-            <a:extLst>
-              <a:ext uri="{FF2B5EF4-FFF2-40B4-BE49-F238E27FC236}">
-                <a16:creationId xmlns:a16="http://schemas.microsoft.com/office/drawing/2014/main" id="{28875346-B6A2-CF49-9678-118804DC8E26}"/>
+              <a:t>RA</a:t>
+            </a:r>
+            <a:endParaRPr lang="en-IT" dirty="0"/>
+          </a:p>
+        </p:txBody>
+      </p:sp>
+      <p:sp>
+        <p:nvSpPr>
+          <p:cNvPr id="67" name="Rounded Rectangle 66">
+            <a:extLst>
+              <a:ext uri="{FF2B5EF4-FFF2-40B4-BE49-F238E27FC236}">
+                <a16:creationId xmlns:a16="http://schemas.microsoft.com/office/drawing/2014/main" id="{33625852-71A0-CE46-95DF-A5F8039AB36D}"/>
               </a:ext>
             </a:extLst>
           </p:cNvPr>
@@ -6240,10 +6246,10 @@
       </p:sp>
       <p:sp>
         <p:nvSpPr>
-          <p:cNvPr id="21" name="Rounded Rectangle 20">
-            <a:extLst>
-              <a:ext uri="{FF2B5EF4-FFF2-40B4-BE49-F238E27FC236}">
-                <a16:creationId xmlns:a16="http://schemas.microsoft.com/office/drawing/2014/main" id="{321A6A74-01AD-3A4E-BC7C-711559F679A6}"/>
+          <p:cNvPr id="68" name="Rounded Rectangle 67">
+            <a:extLst>
+              <a:ext uri="{FF2B5EF4-FFF2-40B4-BE49-F238E27FC236}">
+                <a16:creationId xmlns:a16="http://schemas.microsoft.com/office/drawing/2014/main" id="{D1FCAF99-92F4-2640-8D18-EB23EC41826D}"/>
               </a:ext>
             </a:extLst>
           </p:cNvPr>
@@ -6284,10 +6290,10 @@
       </p:sp>
       <p:sp>
         <p:nvSpPr>
-          <p:cNvPr id="22" name="Rounded Rectangle 21">
-            <a:extLst>
-              <a:ext uri="{FF2B5EF4-FFF2-40B4-BE49-F238E27FC236}">
-                <a16:creationId xmlns:a16="http://schemas.microsoft.com/office/drawing/2014/main" id="{07853835-A030-6346-A405-56A38C207290}"/>
+          <p:cNvPr id="69" name="Rounded Rectangle 68">
+            <a:extLst>
+              <a:ext uri="{FF2B5EF4-FFF2-40B4-BE49-F238E27FC236}">
+                <a16:creationId xmlns:a16="http://schemas.microsoft.com/office/drawing/2014/main" id="{F176EA01-0B11-1D44-B2B8-58BC0D7E2E10}"/>
               </a:ext>
             </a:extLst>
           </p:cNvPr>
@@ -6328,10 +6334,10 @@
       </p:sp>
       <p:sp>
         <p:nvSpPr>
-          <p:cNvPr id="23" name="Rounded Rectangle 22">
-            <a:extLst>
-              <a:ext uri="{FF2B5EF4-FFF2-40B4-BE49-F238E27FC236}">
-                <a16:creationId xmlns:a16="http://schemas.microsoft.com/office/drawing/2014/main" id="{E742D678-3479-B548-AB73-EDE9888A8273}"/>
+          <p:cNvPr id="70" name="Rounded Rectangle 69">
+            <a:extLst>
+              <a:ext uri="{FF2B5EF4-FFF2-40B4-BE49-F238E27FC236}">
+                <a16:creationId xmlns:a16="http://schemas.microsoft.com/office/drawing/2014/main" id="{1913EB03-4683-3444-9198-7EC9444A20CA}"/>
               </a:ext>
             </a:extLst>
           </p:cNvPr>
@@ -6372,10 +6378,10 @@
       </p:sp>
       <p:sp>
         <p:nvSpPr>
-          <p:cNvPr id="24" name="Rounded Rectangle 23">
-            <a:extLst>
-              <a:ext uri="{FF2B5EF4-FFF2-40B4-BE49-F238E27FC236}">
-                <a16:creationId xmlns:a16="http://schemas.microsoft.com/office/drawing/2014/main" id="{A80281D4-3EC3-D24E-ADBA-12F2525B6247}"/>
+          <p:cNvPr id="71" name="Rounded Rectangle 70">
+            <a:extLst>
+              <a:ext uri="{FF2B5EF4-FFF2-40B4-BE49-F238E27FC236}">
+                <a16:creationId xmlns:a16="http://schemas.microsoft.com/office/drawing/2014/main" id="{5296FE19-86B7-D240-876B-C58D0191B084}"/>
               </a:ext>
             </a:extLst>
           </p:cNvPr>
@@ -6416,10 +6422,10 @@
       </p:sp>
       <p:sp>
         <p:nvSpPr>
-          <p:cNvPr id="25" name="Rounded Rectangle 24">
-            <a:extLst>
-              <a:ext uri="{FF2B5EF4-FFF2-40B4-BE49-F238E27FC236}">
-                <a16:creationId xmlns:a16="http://schemas.microsoft.com/office/drawing/2014/main" id="{8E9FDEF4-9236-DB44-8405-B32BEE0E8755}"/>
+          <p:cNvPr id="72" name="Rounded Rectangle 71">
+            <a:extLst>
+              <a:ext uri="{FF2B5EF4-FFF2-40B4-BE49-F238E27FC236}">
+                <a16:creationId xmlns:a16="http://schemas.microsoft.com/office/drawing/2014/main" id="{2B881A0F-2631-9942-BA91-DF91778D7DCA}"/>
               </a:ext>
             </a:extLst>
           </p:cNvPr>
@@ -6455,18 +6461,19 @@
           <a:p>
             <a:pPr algn="ctr"/>
             <a:r>
-              <a:rPr lang="en-IT" dirty="0"/>
-              <a:t>RA</a:t>
-            </a:r>
-          </a:p>
-        </p:txBody>
-      </p:sp>
-      <p:sp>
-        <p:nvSpPr>
-          <p:cNvPr id="26" name="Rounded Rectangle 25">
-            <a:extLst>
-              <a:ext uri="{FF2B5EF4-FFF2-40B4-BE49-F238E27FC236}">
-                <a16:creationId xmlns:a16="http://schemas.microsoft.com/office/drawing/2014/main" id="{4BD2F779-F351-1B4A-8B03-9C10B342554F}"/>
+              <a:rPr lang="en-GB" b="1" dirty="0"/>
+              <a:t>b=2</a:t>
+            </a:r>
+            <a:endParaRPr lang="en-IT" b="1" dirty="0"/>
+          </a:p>
+        </p:txBody>
+      </p:sp>
+      <p:sp>
+        <p:nvSpPr>
+          <p:cNvPr id="73" name="Rounded Rectangle 72">
+            <a:extLst>
+              <a:ext uri="{FF2B5EF4-FFF2-40B4-BE49-F238E27FC236}">
+                <a16:creationId xmlns:a16="http://schemas.microsoft.com/office/drawing/2014/main" id="{7155243F-8155-FE48-9E01-0B301F8AD8D9}"/>
               </a:ext>
             </a:extLst>
           </p:cNvPr>
@@ -6503,21 +6510,21 @@
             <a:pPr algn="ctr"/>
             <a:r>
               <a:rPr lang="en-GB" b="1" dirty="0"/>
-              <a:t>b</a:t>
+              <a:t>a</a:t>
             </a:r>
             <a:r>
               <a:rPr lang="en-IT" b="1" dirty="0"/>
-              <a:t>=2</a:t>
-            </a:r>
-          </a:p>
-        </p:txBody>
-      </p:sp>
-      <p:sp>
-        <p:nvSpPr>
-          <p:cNvPr id="27" name="Rounded Rectangle 26">
-            <a:extLst>
-              <a:ext uri="{FF2B5EF4-FFF2-40B4-BE49-F238E27FC236}">
-                <a16:creationId xmlns:a16="http://schemas.microsoft.com/office/drawing/2014/main" id="{E8B27FF8-B92A-1945-8C26-7526C8A96268}"/>
+              <a:t>=3</a:t>
+            </a:r>
+          </a:p>
+        </p:txBody>
+      </p:sp>
+      <p:sp>
+        <p:nvSpPr>
+          <p:cNvPr id="74" name="Rounded Rectangle 73">
+            <a:extLst>
+              <a:ext uri="{FF2B5EF4-FFF2-40B4-BE49-F238E27FC236}">
+                <a16:creationId xmlns:a16="http://schemas.microsoft.com/office/drawing/2014/main" id="{954BF7BB-EC62-9F46-A844-9BE0B0E29CB2}"/>
               </a:ext>
             </a:extLst>
           </p:cNvPr>
@@ -6553,22 +6560,19 @@
           <a:p>
             <a:pPr algn="ctr"/>
             <a:r>
-              <a:rPr lang="en-GB" b="1" dirty="0"/>
-              <a:t>a</a:t>
-            </a:r>
-            <a:r>
-              <a:rPr lang="en-IT" b="1" dirty="0"/>
-              <a:t>=3</a:t>
-            </a:r>
-          </a:p>
-        </p:txBody>
-      </p:sp>
-      <p:sp>
-        <p:nvSpPr>
-          <p:cNvPr id="28" name="Right Brace 27">
-            <a:extLst>
-              <a:ext uri="{FF2B5EF4-FFF2-40B4-BE49-F238E27FC236}">
-                <a16:creationId xmlns:a16="http://schemas.microsoft.com/office/drawing/2014/main" id="{9B6E7620-9AD9-714A-8DD4-FD517A6110F7}"/>
+              <a:rPr lang="en-GB" dirty="0"/>
+              <a:t>RA</a:t>
+            </a:r>
+            <a:endParaRPr lang="en-IT" dirty="0"/>
+          </a:p>
+        </p:txBody>
+      </p:sp>
+      <p:sp>
+        <p:nvSpPr>
+          <p:cNvPr id="75" name="Right Brace 74">
+            <a:extLst>
+              <a:ext uri="{FF2B5EF4-FFF2-40B4-BE49-F238E27FC236}">
+                <a16:creationId xmlns:a16="http://schemas.microsoft.com/office/drawing/2014/main" id="{71E17EEB-0BEB-0B4D-B7DC-2440C77281A9}"/>
               </a:ext>
             </a:extLst>
           </p:cNvPr>
@@ -6612,10 +6616,10 @@
       </p:sp>
       <p:sp>
         <p:nvSpPr>
-          <p:cNvPr id="29" name="TextBox 28">
-            <a:extLst>
-              <a:ext uri="{FF2B5EF4-FFF2-40B4-BE49-F238E27FC236}">
-                <a16:creationId xmlns:a16="http://schemas.microsoft.com/office/drawing/2014/main" id="{47D3D108-B938-2948-A4D4-0F63F18257CD}"/>
+          <p:cNvPr id="76" name="TextBox 75">
+            <a:extLst>
+              <a:ext uri="{FF2B5EF4-FFF2-40B4-BE49-F238E27FC236}">
+                <a16:creationId xmlns:a16="http://schemas.microsoft.com/office/drawing/2014/main" id="{CDF0CB94-DED3-F14D-9773-BC2CAEF1C93B}"/>
               </a:ext>
             </a:extLst>
           </p:cNvPr>
@@ -6651,10 +6655,10 @@
       </p:sp>
       <p:sp>
         <p:nvSpPr>
-          <p:cNvPr id="30" name="Right Brace 29">
-            <a:extLst>
-              <a:ext uri="{FF2B5EF4-FFF2-40B4-BE49-F238E27FC236}">
-                <a16:creationId xmlns:a16="http://schemas.microsoft.com/office/drawing/2014/main" id="{AB54CD8A-DA7E-2E49-AC37-8AC7F1EFCECA}"/>
+          <p:cNvPr id="77" name="Right Brace 76">
+            <a:extLst>
+              <a:ext uri="{FF2B5EF4-FFF2-40B4-BE49-F238E27FC236}">
+                <a16:creationId xmlns:a16="http://schemas.microsoft.com/office/drawing/2014/main" id="{DE6E09AA-EEC8-AC4E-A322-448CD2EA9DBD}"/>
               </a:ext>
             </a:extLst>
           </p:cNvPr>
@@ -6698,10 +6702,10 @@
       </p:sp>
       <p:sp>
         <p:nvSpPr>
-          <p:cNvPr id="31" name="TextBox 30">
-            <a:extLst>
-              <a:ext uri="{FF2B5EF4-FFF2-40B4-BE49-F238E27FC236}">
-                <a16:creationId xmlns:a16="http://schemas.microsoft.com/office/drawing/2014/main" id="{97553B2C-904D-5946-85C1-E09BAB723F9A}"/>
+          <p:cNvPr id="78" name="TextBox 77">
+            <a:extLst>
+              <a:ext uri="{FF2B5EF4-FFF2-40B4-BE49-F238E27FC236}">
+                <a16:creationId xmlns:a16="http://schemas.microsoft.com/office/drawing/2014/main" id="{0F54A6D1-4CE2-5F4D-8890-6C2C8B7A8BCA}"/>
               </a:ext>
             </a:extLst>
           </p:cNvPr>
@@ -6710,7 +6714,7 @@
         </p:nvSpPr>
         <p:spPr>
           <a:xfrm>
-            <a:off x="3727365" y="450375"/>
+            <a:off x="3764186" y="450375"/>
             <a:ext cx="1091646" cy="369332"/>
           </a:xfrm>
           <a:prstGeom prst="rect">
@@ -6737,10 +6741,10 @@
       </p:sp>
       <p:sp>
         <p:nvSpPr>
-          <p:cNvPr id="32" name="Rounded Rectangle 31">
-            <a:extLst>
-              <a:ext uri="{FF2B5EF4-FFF2-40B4-BE49-F238E27FC236}">
-                <a16:creationId xmlns:a16="http://schemas.microsoft.com/office/drawing/2014/main" id="{B54346D6-D47A-A14B-BE2C-C2783E53386E}"/>
+          <p:cNvPr id="79" name="Rounded Rectangle 78">
+            <a:extLst>
+              <a:ext uri="{FF2B5EF4-FFF2-40B4-BE49-F238E27FC236}">
+                <a16:creationId xmlns:a16="http://schemas.microsoft.com/office/drawing/2014/main" id="{06820DB1-6C93-3A43-AF9A-C431CF54998B}"/>
               </a:ext>
             </a:extLst>
           </p:cNvPr>
@@ -6781,10 +6785,10 @@
       </p:sp>
       <p:sp>
         <p:nvSpPr>
-          <p:cNvPr id="33" name="Rounded Rectangle 32">
-            <a:extLst>
-              <a:ext uri="{FF2B5EF4-FFF2-40B4-BE49-F238E27FC236}">
-                <a16:creationId xmlns:a16="http://schemas.microsoft.com/office/drawing/2014/main" id="{CA07BC44-98FE-3A45-A2E7-7F521E3B08F6}"/>
+          <p:cNvPr id="80" name="Rounded Rectangle 79">
+            <a:extLst>
+              <a:ext uri="{FF2B5EF4-FFF2-40B4-BE49-F238E27FC236}">
+                <a16:creationId xmlns:a16="http://schemas.microsoft.com/office/drawing/2014/main" id="{F0095454-0556-7D45-8523-724A61DE48C3}"/>
               </a:ext>
             </a:extLst>
           </p:cNvPr>
@@ -6825,10 +6829,10 @@
       </p:sp>
       <p:sp>
         <p:nvSpPr>
-          <p:cNvPr id="34" name="Rounded Rectangle 33">
-            <a:extLst>
-              <a:ext uri="{FF2B5EF4-FFF2-40B4-BE49-F238E27FC236}">
-                <a16:creationId xmlns:a16="http://schemas.microsoft.com/office/drawing/2014/main" id="{B883E133-AD78-EA4A-896D-4445B5990212}"/>
+          <p:cNvPr id="81" name="Rounded Rectangle 80">
+            <a:extLst>
+              <a:ext uri="{FF2B5EF4-FFF2-40B4-BE49-F238E27FC236}">
+                <a16:creationId xmlns:a16="http://schemas.microsoft.com/office/drawing/2014/main" id="{BEC967D8-2C65-F14A-A8E4-72277828FFE8}"/>
               </a:ext>
             </a:extLst>
           </p:cNvPr>
@@ -6869,10 +6873,10 @@
       </p:sp>
       <p:sp>
         <p:nvSpPr>
-          <p:cNvPr id="35" name="Rounded Rectangle 34">
-            <a:extLst>
-              <a:ext uri="{FF2B5EF4-FFF2-40B4-BE49-F238E27FC236}">
-                <a16:creationId xmlns:a16="http://schemas.microsoft.com/office/drawing/2014/main" id="{86535542-DAB0-2E47-92F3-4C90A9E188EA}"/>
+          <p:cNvPr id="82" name="Rounded Rectangle 81">
+            <a:extLst>
+              <a:ext uri="{FF2B5EF4-FFF2-40B4-BE49-F238E27FC236}">
+                <a16:creationId xmlns:a16="http://schemas.microsoft.com/office/drawing/2014/main" id="{F0421E12-6ECE-A340-8A3F-D2735CAF5B57}"/>
               </a:ext>
             </a:extLst>
           </p:cNvPr>
@@ -6913,10 +6917,10 @@
       </p:sp>
       <p:sp>
         <p:nvSpPr>
-          <p:cNvPr id="36" name="Rounded Rectangle 35">
-            <a:extLst>
-              <a:ext uri="{FF2B5EF4-FFF2-40B4-BE49-F238E27FC236}">
-                <a16:creationId xmlns:a16="http://schemas.microsoft.com/office/drawing/2014/main" id="{AB844C29-316B-AC4A-9EF1-DCA9C4D1264F}"/>
+          <p:cNvPr id="83" name="Rounded Rectangle 82">
+            <a:extLst>
+              <a:ext uri="{FF2B5EF4-FFF2-40B4-BE49-F238E27FC236}">
+                <a16:creationId xmlns:a16="http://schemas.microsoft.com/office/drawing/2014/main" id="{15CF6E9D-1A20-B244-A4A8-5C6E705DAD96}"/>
               </a:ext>
             </a:extLst>
           </p:cNvPr>
@@ -6957,10 +6961,10 @@
       </p:sp>
       <p:sp>
         <p:nvSpPr>
-          <p:cNvPr id="37" name="Rounded Rectangle 36">
-            <a:extLst>
-              <a:ext uri="{FF2B5EF4-FFF2-40B4-BE49-F238E27FC236}">
-                <a16:creationId xmlns:a16="http://schemas.microsoft.com/office/drawing/2014/main" id="{61961C75-A025-AF4E-9410-D261B183EA24}"/>
+          <p:cNvPr id="84" name="Rounded Rectangle 83">
+            <a:extLst>
+              <a:ext uri="{FF2B5EF4-FFF2-40B4-BE49-F238E27FC236}">
+                <a16:creationId xmlns:a16="http://schemas.microsoft.com/office/drawing/2014/main" id="{16246884-2871-284D-A821-61075BB2EF2F}"/>
               </a:ext>
             </a:extLst>
           </p:cNvPr>
@@ -7001,10 +7005,10 @@
       </p:sp>
       <p:sp>
         <p:nvSpPr>
-          <p:cNvPr id="38" name="TextBox 37">
-            <a:extLst>
-              <a:ext uri="{FF2B5EF4-FFF2-40B4-BE49-F238E27FC236}">
-                <a16:creationId xmlns:a16="http://schemas.microsoft.com/office/drawing/2014/main" id="{19BED008-D6A7-8848-BFE4-BA114C0169DB}"/>
+          <p:cNvPr id="85" name="TextBox 84">
+            <a:extLst>
+              <a:ext uri="{FF2B5EF4-FFF2-40B4-BE49-F238E27FC236}">
+                <a16:creationId xmlns:a16="http://schemas.microsoft.com/office/drawing/2014/main" id="{59E21B1E-E1C1-6E46-B0C1-066029802FC8}"/>
               </a:ext>
             </a:extLst>
           </p:cNvPr>
@@ -7040,10 +7044,10 @@
       </p:sp>
       <p:sp>
         <p:nvSpPr>
-          <p:cNvPr id="39" name="TextBox 38">
-            <a:extLst>
-              <a:ext uri="{FF2B5EF4-FFF2-40B4-BE49-F238E27FC236}">
-                <a16:creationId xmlns:a16="http://schemas.microsoft.com/office/drawing/2014/main" id="{362F2FD4-1376-7C43-A0A4-E4F9220EA6F3}"/>
+          <p:cNvPr id="86" name="TextBox 85">
+            <a:extLst>
+              <a:ext uri="{FF2B5EF4-FFF2-40B4-BE49-F238E27FC236}">
+                <a16:creationId xmlns:a16="http://schemas.microsoft.com/office/drawing/2014/main" id="{C26CE40F-920F-A842-BFCE-49B2AA38B4C2}"/>
               </a:ext>
             </a:extLst>
           </p:cNvPr>
@@ -7079,10 +7083,10 @@
       </p:sp>
       <p:sp>
         <p:nvSpPr>
-          <p:cNvPr id="40" name="TextBox 39">
-            <a:extLst>
-              <a:ext uri="{FF2B5EF4-FFF2-40B4-BE49-F238E27FC236}">
-                <a16:creationId xmlns:a16="http://schemas.microsoft.com/office/drawing/2014/main" id="{274AC034-68E2-2641-BA91-3DAC5E7D4D78}"/>
+          <p:cNvPr id="87" name="TextBox 86">
+            <a:extLst>
+              <a:ext uri="{FF2B5EF4-FFF2-40B4-BE49-F238E27FC236}">
+                <a16:creationId xmlns:a16="http://schemas.microsoft.com/office/drawing/2014/main" id="{D59806F6-2DB3-2343-AD87-42E9B278AF2D}"/>
               </a:ext>
             </a:extLst>
           </p:cNvPr>
@@ -7114,10 +7118,10 @@
       </p:sp>
       <p:sp>
         <p:nvSpPr>
-          <p:cNvPr id="41" name="TextBox 40">
-            <a:extLst>
-              <a:ext uri="{FF2B5EF4-FFF2-40B4-BE49-F238E27FC236}">
-                <a16:creationId xmlns:a16="http://schemas.microsoft.com/office/drawing/2014/main" id="{C0EE8E83-BB22-7A4E-8A1E-FB5F0A9C2C8F}"/>
+          <p:cNvPr id="88" name="TextBox 87">
+            <a:extLst>
+              <a:ext uri="{FF2B5EF4-FFF2-40B4-BE49-F238E27FC236}">
+                <a16:creationId xmlns:a16="http://schemas.microsoft.com/office/drawing/2014/main" id="{E768E19A-9E45-684C-8B2C-D9A9B172AEBF}"/>
               </a:ext>
             </a:extLst>
           </p:cNvPr>
@@ -7149,10 +7153,10 @@
       </p:sp>
       <p:sp>
         <p:nvSpPr>
-          <p:cNvPr id="42" name="TextBox 41">
-            <a:extLst>
-              <a:ext uri="{FF2B5EF4-FFF2-40B4-BE49-F238E27FC236}">
-                <a16:creationId xmlns:a16="http://schemas.microsoft.com/office/drawing/2014/main" id="{D31CDE0F-907F-8240-BF28-1C4CF5C9D3E4}"/>
+          <p:cNvPr id="89" name="TextBox 88">
+            <a:extLst>
+              <a:ext uri="{FF2B5EF4-FFF2-40B4-BE49-F238E27FC236}">
+                <a16:creationId xmlns:a16="http://schemas.microsoft.com/office/drawing/2014/main" id="{C2CA1AE3-54B6-6D46-B8A2-19CC0BD6F990}"/>
               </a:ext>
             </a:extLst>
           </p:cNvPr>
@@ -7184,10 +7188,10 @@
       </p:sp>
       <p:sp>
         <p:nvSpPr>
-          <p:cNvPr id="43" name="TextBox 42">
-            <a:extLst>
-              <a:ext uri="{FF2B5EF4-FFF2-40B4-BE49-F238E27FC236}">
-                <a16:creationId xmlns:a16="http://schemas.microsoft.com/office/drawing/2014/main" id="{0844BFD5-9D8C-5A46-A1BE-7759EE881FA3}"/>
+          <p:cNvPr id="90" name="TextBox 89">
+            <a:extLst>
+              <a:ext uri="{FF2B5EF4-FFF2-40B4-BE49-F238E27FC236}">
+                <a16:creationId xmlns:a16="http://schemas.microsoft.com/office/drawing/2014/main" id="{D9BC70D3-BACB-7143-B9A6-ABBBD2D7BB7B}"/>
               </a:ext>
             </a:extLst>
           </p:cNvPr>
@@ -7223,10 +7227,10 @@
       </p:sp>
       <p:sp>
         <p:nvSpPr>
-          <p:cNvPr id="44" name="TextBox 43">
-            <a:extLst>
-              <a:ext uri="{FF2B5EF4-FFF2-40B4-BE49-F238E27FC236}">
-                <a16:creationId xmlns:a16="http://schemas.microsoft.com/office/drawing/2014/main" id="{73D1A27A-62BC-DA42-96E0-FBFA0A2C42E5}"/>
+          <p:cNvPr id="91" name="TextBox 90">
+            <a:extLst>
+              <a:ext uri="{FF2B5EF4-FFF2-40B4-BE49-F238E27FC236}">
+                <a16:creationId xmlns:a16="http://schemas.microsoft.com/office/drawing/2014/main" id="{5E8142E3-D7F0-0541-BB90-2004C6035F31}"/>
               </a:ext>
             </a:extLst>
           </p:cNvPr>
@@ -7262,10 +7266,10 @@
       </p:sp>
       <p:sp>
         <p:nvSpPr>
-          <p:cNvPr id="45" name="TextBox 44">
-            <a:extLst>
-              <a:ext uri="{FF2B5EF4-FFF2-40B4-BE49-F238E27FC236}">
-                <a16:creationId xmlns:a16="http://schemas.microsoft.com/office/drawing/2014/main" id="{B06CC6F0-5C9C-844C-A0F5-5030CEE88310}"/>
+          <p:cNvPr id="92" name="TextBox 91">
+            <a:extLst>
+              <a:ext uri="{FF2B5EF4-FFF2-40B4-BE49-F238E27FC236}">
+                <a16:creationId xmlns:a16="http://schemas.microsoft.com/office/drawing/2014/main" id="{59EF5E52-ED14-D047-A538-6F0DA6B097A4}"/>
               </a:ext>
             </a:extLst>
           </p:cNvPr>
@@ -7301,10 +7305,10 @@
       </p:sp>
       <p:sp>
         <p:nvSpPr>
-          <p:cNvPr id="46" name="TextBox 45">
-            <a:extLst>
-              <a:ext uri="{FF2B5EF4-FFF2-40B4-BE49-F238E27FC236}">
-                <a16:creationId xmlns:a16="http://schemas.microsoft.com/office/drawing/2014/main" id="{32305489-C312-FC40-921F-660C3220BEF2}"/>
+          <p:cNvPr id="93" name="TextBox 92">
+            <a:extLst>
+              <a:ext uri="{FF2B5EF4-FFF2-40B4-BE49-F238E27FC236}">
+                <a16:creationId xmlns:a16="http://schemas.microsoft.com/office/drawing/2014/main" id="{273C6556-EFE2-6641-867F-6B5C7F16524D}"/>
               </a:ext>
             </a:extLst>
           </p:cNvPr>
@@ -7340,10 +7344,10 @@
       </p:sp>
       <p:sp>
         <p:nvSpPr>
-          <p:cNvPr id="47" name="TextBox 46">
-            <a:extLst>
-              <a:ext uri="{FF2B5EF4-FFF2-40B4-BE49-F238E27FC236}">
-                <a16:creationId xmlns:a16="http://schemas.microsoft.com/office/drawing/2014/main" id="{BA130023-D9DB-6841-9DDC-CE4C4829C970}"/>
+          <p:cNvPr id="94" name="TextBox 93">
+            <a:extLst>
+              <a:ext uri="{FF2B5EF4-FFF2-40B4-BE49-F238E27FC236}">
+                <a16:creationId xmlns:a16="http://schemas.microsoft.com/office/drawing/2014/main" id="{A8F188BC-025A-4240-B6C3-97EB6772F161}"/>
               </a:ext>
             </a:extLst>
           </p:cNvPr>
@@ -7379,10 +7383,10 @@
       </p:sp>
       <p:sp>
         <p:nvSpPr>
-          <p:cNvPr id="48" name="TextBox 47">
-            <a:extLst>
-              <a:ext uri="{FF2B5EF4-FFF2-40B4-BE49-F238E27FC236}">
-                <a16:creationId xmlns:a16="http://schemas.microsoft.com/office/drawing/2014/main" id="{A683FD13-EBE7-2C48-BFD7-527515BF1DCB}"/>
+          <p:cNvPr id="95" name="TextBox 94">
+            <a:extLst>
+              <a:ext uri="{FF2B5EF4-FFF2-40B4-BE49-F238E27FC236}">
+                <a16:creationId xmlns:a16="http://schemas.microsoft.com/office/drawing/2014/main" id="{A6E3C26C-B4DB-0143-9C76-B06803FBB85F}"/>
               </a:ext>
             </a:extLst>
           </p:cNvPr>
@@ -7418,10 +7422,10 @@
       </p:sp>
       <p:sp>
         <p:nvSpPr>
-          <p:cNvPr id="49" name="TextBox 48">
-            <a:extLst>
-              <a:ext uri="{FF2B5EF4-FFF2-40B4-BE49-F238E27FC236}">
-                <a16:creationId xmlns:a16="http://schemas.microsoft.com/office/drawing/2014/main" id="{2FA0D4BF-6B4B-A845-AF49-CBFCC45DB616}"/>
+          <p:cNvPr id="96" name="TextBox 95">
+            <a:extLst>
+              <a:ext uri="{FF2B5EF4-FFF2-40B4-BE49-F238E27FC236}">
+                <a16:creationId xmlns:a16="http://schemas.microsoft.com/office/drawing/2014/main" id="{EDECD137-697D-5444-B4FB-F88BCCAF0011}"/>
               </a:ext>
             </a:extLst>
           </p:cNvPr>
@@ -7457,10 +7461,10 @@
       </p:sp>
       <p:sp>
         <p:nvSpPr>
-          <p:cNvPr id="50" name="TextBox 49">
-            <a:extLst>
-              <a:ext uri="{FF2B5EF4-FFF2-40B4-BE49-F238E27FC236}">
-                <a16:creationId xmlns:a16="http://schemas.microsoft.com/office/drawing/2014/main" id="{949458AA-7833-B246-987E-DD49064E1D2A}"/>
+          <p:cNvPr id="97" name="TextBox 96">
+            <a:extLst>
+              <a:ext uri="{FF2B5EF4-FFF2-40B4-BE49-F238E27FC236}">
+                <a16:creationId xmlns:a16="http://schemas.microsoft.com/office/drawing/2014/main" id="{DEA8C967-111F-624C-9EE9-F4CD09D04635}"/>
               </a:ext>
             </a:extLst>
           </p:cNvPr>
